--- a/ClassSlides/Midterm1.pptx
+++ b/ClassSlides/Midterm1.pptx
@@ -105,6 +105,11 @@
       </a:defRPr>
     </a:lvl9pPr>
   </p:defaultTextStyle>
+  <p:extLst>
+    <p:ext uri="{EFAFB233-063F-42B5-8137-9DF3F51BA10A}">
+      <p15:sldGuideLst xmlns:p15="http://schemas.microsoft.com/office/powerpoint/2012/main"/>
+    </p:ext>
+  </p:extLst>
 </p:presentation>
 </file>
 
@@ -255,7 +260,7 @@
           <a:p>
             <a:fld id="{E1852E2D-898C-3640-9167-229775EC06B2}" type="datetimeFigureOut">
               <a:rPr lang="en-US" smtClean="0"/>
-              <a:t>2/18/25</a:t>
+              <a:t>3/25/25</a:t>
             </a:fld>
             <a:endParaRPr lang="en-US"/>
           </a:p>
@@ -453,7 +458,7 @@
           <a:p>
             <a:fld id="{E1852E2D-898C-3640-9167-229775EC06B2}" type="datetimeFigureOut">
               <a:rPr lang="en-US" smtClean="0"/>
-              <a:t>2/18/25</a:t>
+              <a:t>3/25/25</a:t>
             </a:fld>
             <a:endParaRPr lang="en-US"/>
           </a:p>
@@ -661,7 +666,7 @@
           <a:p>
             <a:fld id="{E1852E2D-898C-3640-9167-229775EC06B2}" type="datetimeFigureOut">
               <a:rPr lang="en-US" smtClean="0"/>
-              <a:t>2/18/25</a:t>
+              <a:t>3/25/25</a:t>
             </a:fld>
             <a:endParaRPr lang="en-US"/>
           </a:p>
@@ -859,7 +864,7 @@
           <a:p>
             <a:fld id="{E1852E2D-898C-3640-9167-229775EC06B2}" type="datetimeFigureOut">
               <a:rPr lang="en-US" smtClean="0"/>
-              <a:t>2/18/25</a:t>
+              <a:t>3/25/25</a:t>
             </a:fld>
             <a:endParaRPr lang="en-US"/>
           </a:p>
@@ -1134,7 +1139,7 @@
           <a:p>
             <a:fld id="{E1852E2D-898C-3640-9167-229775EC06B2}" type="datetimeFigureOut">
               <a:rPr lang="en-US" smtClean="0"/>
-              <a:t>2/18/25</a:t>
+              <a:t>3/25/25</a:t>
             </a:fld>
             <a:endParaRPr lang="en-US"/>
           </a:p>
@@ -1399,7 +1404,7 @@
           <a:p>
             <a:fld id="{E1852E2D-898C-3640-9167-229775EC06B2}" type="datetimeFigureOut">
               <a:rPr lang="en-US" smtClean="0"/>
-              <a:t>2/18/25</a:t>
+              <a:t>3/25/25</a:t>
             </a:fld>
             <a:endParaRPr lang="en-US"/>
           </a:p>
@@ -1811,7 +1816,7 @@
           <a:p>
             <a:fld id="{E1852E2D-898C-3640-9167-229775EC06B2}" type="datetimeFigureOut">
               <a:rPr lang="en-US" smtClean="0"/>
-              <a:t>2/18/25</a:t>
+              <a:t>3/25/25</a:t>
             </a:fld>
             <a:endParaRPr lang="en-US"/>
           </a:p>
@@ -1952,7 +1957,7 @@
           <a:p>
             <a:fld id="{E1852E2D-898C-3640-9167-229775EC06B2}" type="datetimeFigureOut">
               <a:rPr lang="en-US" smtClean="0"/>
-              <a:t>2/18/25</a:t>
+              <a:t>3/25/25</a:t>
             </a:fld>
             <a:endParaRPr lang="en-US"/>
           </a:p>
@@ -2065,7 +2070,7 @@
           <a:p>
             <a:fld id="{E1852E2D-898C-3640-9167-229775EC06B2}" type="datetimeFigureOut">
               <a:rPr lang="en-US" smtClean="0"/>
-              <a:t>2/18/25</a:t>
+              <a:t>3/25/25</a:t>
             </a:fld>
             <a:endParaRPr lang="en-US"/>
           </a:p>
@@ -2376,7 +2381,7 @@
           <a:p>
             <a:fld id="{E1852E2D-898C-3640-9167-229775EC06B2}" type="datetimeFigureOut">
               <a:rPr lang="en-US" smtClean="0"/>
-              <a:t>2/18/25</a:t>
+              <a:t>3/25/25</a:t>
             </a:fld>
             <a:endParaRPr lang="en-US"/>
           </a:p>
@@ -2664,7 +2669,7 @@
           <a:p>
             <a:fld id="{E1852E2D-898C-3640-9167-229775EC06B2}" type="datetimeFigureOut">
               <a:rPr lang="en-US" smtClean="0"/>
-              <a:t>2/18/25</a:t>
+              <a:t>3/25/25</a:t>
             </a:fld>
             <a:endParaRPr lang="en-US"/>
           </a:p>
@@ -2905,7 +2910,7 @@
           <a:p>
             <a:fld id="{E1852E2D-898C-3640-9167-229775EC06B2}" type="datetimeFigureOut">
               <a:rPr lang="en-US" smtClean="0"/>
-              <a:t>2/18/25</a:t>
+              <a:t>3/25/25</a:t>
             </a:fld>
             <a:endParaRPr lang="en-US"/>
           </a:p>
@@ -3425,7 +3430,7 @@
           <a:p>
             <a:r>
               <a:rPr lang="en-US" dirty="0"/>
-              <a:t>Midterm 1</a:t>
+              <a:t>Midterm 2</a:t>
             </a:r>
           </a:p>
         </p:txBody>
@@ -3460,6 +3465,34 @@
           <a:p>
             <a:r>
               <a:rPr lang="en-US" sz="3200" dirty="0"/>
+              <a:t>Question 21, </a:t>
+            </a:r>
+            <a:r>
+              <a:rPr lang="en-US" sz="3200" dirty="0" err="1"/>
+              <a:t>sum_sq</a:t>
+            </a:r>
+            <a:r>
+              <a:rPr lang="en-US" sz="3200" dirty="0"/>
+              <a:t>(</a:t>
+            </a:r>
+            <a:r>
+              <a:rPr lang="en-US" sz="3200" dirty="0" err="1"/>
+              <a:t>List,SumOfSquares</a:t>
+            </a:r>
+            <a:r>
+              <a:rPr lang="en-US" sz="3200"/>
+              <a:t>)</a:t>
+            </a:r>
+          </a:p>
+          <a:p>
+            <a:r>
+              <a:rPr lang="en-US" sz="3200" dirty="0"/>
+              <a:t>Points on exam add up to 100.  Will be multiplied by 2 since Midterm 2 is worth 200 points.</a:t>
+            </a:r>
+          </a:p>
+          <a:p>
+            <a:r>
+              <a:rPr lang="en-US" sz="3200" dirty="0"/>
               <a:t>Put your name on each sheet of paper.  We will be cutting staples off.</a:t>
             </a:r>
           </a:p>
@@ -3468,8 +3501,6 @@
               <a:rPr lang="en-US" sz="3200" dirty="0"/>
               <a:t>Please sit at a desk with people you haven’t sat with yet.</a:t>
             </a:r>
-          </a:p>
-          <a:p>
             <a:endParaRPr lang="en-US" sz="1600" dirty="0"/>
           </a:p>
           <a:p>
@@ -3477,11 +3508,6 @@
               <a:rPr lang="en-US" sz="3200" dirty="0"/>
               <a:t>Silence all of your devices.</a:t>
             </a:r>
-          </a:p>
-          <a:p>
-            <a:pPr marL="0" indent="0">
-              <a:buNone/>
-            </a:pPr>
             <a:endParaRPr lang="en-US" sz="1600" dirty="0"/>
           </a:p>
           <a:p>
@@ -3489,8 +3515,6 @@
               <a:rPr lang="en-US" sz="3200" dirty="0"/>
               <a:t>Put all of your devices away, including smart watches.</a:t>
             </a:r>
-          </a:p>
-          <a:p>
             <a:endParaRPr lang="en-US" sz="1600" dirty="0"/>
           </a:p>
           <a:p>
@@ -3498,8 +3522,6 @@
               <a:rPr lang="en-US" sz="3200" dirty="0"/>
               <a:t>Raise your hand to have exam picked up.</a:t>
             </a:r>
-          </a:p>
-          <a:p>
             <a:endParaRPr lang="en-US" sz="1600" dirty="0"/>
           </a:p>
           <a:p>
